--- a/trunk/diagram.pptx
+++ b/trunk/diagram.pptx
@@ -7,6 +7,7 @@
   <p:sldIdLst>
     <p:sldId id="256" r:id="rId2"/>
     <p:sldId id="257" r:id="rId3"/>
+    <p:sldId id="258" r:id="rId4"/>
   </p:sldIdLst>
   <p:sldSz cx="9144000" cy="6858000" type="screen4x3"/>
   <p:notesSz cx="6858000" cy="9144000"/>
@@ -290,7 +291,7 @@
             <a:fld id="{58B7D8E9-0FBC-476E-9059-A92F3A03B53F}" type="datetimeFigureOut">
               <a:rPr lang="en-US" smtClean="0"/>
               <a:pPr/>
-              <a:t>5/5/2010</a:t>
+              <a:t>5/8/2010</a:t>
             </a:fld>
             <a:endParaRPr lang="en-US"/>
           </a:p>
@@ -457,7 +458,7 @@
             <a:fld id="{58B7D8E9-0FBC-476E-9059-A92F3A03B53F}" type="datetimeFigureOut">
               <a:rPr lang="en-US" smtClean="0"/>
               <a:pPr/>
-              <a:t>5/5/2010</a:t>
+              <a:t>5/8/2010</a:t>
             </a:fld>
             <a:endParaRPr lang="en-US"/>
           </a:p>
@@ -634,7 +635,7 @@
             <a:fld id="{58B7D8E9-0FBC-476E-9059-A92F3A03B53F}" type="datetimeFigureOut">
               <a:rPr lang="en-US" smtClean="0"/>
               <a:pPr/>
-              <a:t>5/5/2010</a:t>
+              <a:t>5/8/2010</a:t>
             </a:fld>
             <a:endParaRPr lang="en-US"/>
           </a:p>
@@ -801,7 +802,7 @@
             <a:fld id="{58B7D8E9-0FBC-476E-9059-A92F3A03B53F}" type="datetimeFigureOut">
               <a:rPr lang="en-US" smtClean="0"/>
               <a:pPr/>
-              <a:t>5/5/2010</a:t>
+              <a:t>5/8/2010</a:t>
             </a:fld>
             <a:endParaRPr lang="en-US"/>
           </a:p>
@@ -1044,7 +1045,7 @@
             <a:fld id="{58B7D8E9-0FBC-476E-9059-A92F3A03B53F}" type="datetimeFigureOut">
               <a:rPr lang="en-US" smtClean="0"/>
               <a:pPr/>
-              <a:t>5/5/2010</a:t>
+              <a:t>5/8/2010</a:t>
             </a:fld>
             <a:endParaRPr lang="en-US"/>
           </a:p>
@@ -1329,7 +1330,7 @@
             <a:fld id="{58B7D8E9-0FBC-476E-9059-A92F3A03B53F}" type="datetimeFigureOut">
               <a:rPr lang="en-US" smtClean="0"/>
               <a:pPr/>
-              <a:t>5/5/2010</a:t>
+              <a:t>5/8/2010</a:t>
             </a:fld>
             <a:endParaRPr lang="en-US"/>
           </a:p>
@@ -1748,7 +1749,7 @@
             <a:fld id="{58B7D8E9-0FBC-476E-9059-A92F3A03B53F}" type="datetimeFigureOut">
               <a:rPr lang="en-US" smtClean="0"/>
               <a:pPr/>
-              <a:t>5/5/2010</a:t>
+              <a:t>5/8/2010</a:t>
             </a:fld>
             <a:endParaRPr lang="en-US"/>
           </a:p>
@@ -1863,7 +1864,7 @@
             <a:fld id="{58B7D8E9-0FBC-476E-9059-A92F3A03B53F}" type="datetimeFigureOut">
               <a:rPr lang="en-US" smtClean="0"/>
               <a:pPr/>
-              <a:t>5/5/2010</a:t>
+              <a:t>5/8/2010</a:t>
             </a:fld>
             <a:endParaRPr lang="en-US"/>
           </a:p>
@@ -1955,7 +1956,7 @@
             <a:fld id="{58B7D8E9-0FBC-476E-9059-A92F3A03B53F}" type="datetimeFigureOut">
               <a:rPr lang="en-US" smtClean="0"/>
               <a:pPr/>
-              <a:t>5/5/2010</a:t>
+              <a:t>5/8/2010</a:t>
             </a:fld>
             <a:endParaRPr lang="en-US"/>
           </a:p>
@@ -2229,7 +2230,7 @@
             <a:fld id="{58B7D8E9-0FBC-476E-9059-A92F3A03B53F}" type="datetimeFigureOut">
               <a:rPr lang="en-US" smtClean="0"/>
               <a:pPr/>
-              <a:t>5/5/2010</a:t>
+              <a:t>5/8/2010</a:t>
             </a:fld>
             <a:endParaRPr lang="en-US"/>
           </a:p>
@@ -2479,7 +2480,7 @@
             <a:fld id="{58B7D8E9-0FBC-476E-9059-A92F3A03B53F}" type="datetimeFigureOut">
               <a:rPr lang="en-US" smtClean="0"/>
               <a:pPr/>
-              <a:t>5/5/2010</a:t>
+              <a:t>5/8/2010</a:t>
             </a:fld>
             <a:endParaRPr lang="en-US"/>
           </a:p>
@@ -2689,7 +2690,7 @@
             <a:fld id="{58B7D8E9-0FBC-476E-9059-A92F3A03B53F}" type="datetimeFigureOut">
               <a:rPr lang="en-US" smtClean="0"/>
               <a:pPr/>
-              <a:t>5/5/2010</a:t>
+              <a:t>5/8/2010</a:t>
             </a:fld>
             <a:endParaRPr lang="en-US"/>
           </a:p>
@@ -4200,6 +4201,987 @@
               <a:rPr lang="en-US" smtClean="0"/>
               <a:t>Chương trình chính</a:t>
             </a:r>
+            <a:endParaRPr lang="en-US"/>
+          </a:p>
+        </p:txBody>
+      </p:sp>
+    </p:spTree>
+  </p:cSld>
+  <p:clrMapOvr>
+    <a:masterClrMapping/>
+  </p:clrMapOvr>
+</p:sld>
+</file>
+
+<file path=ppt/slides/slide3.xml><?xml version="1.0" encoding="utf-8"?>
+<p:sld xmlns:a="http://schemas.openxmlformats.org/drawingml/2006/main" xmlns:r="http://schemas.openxmlformats.org/officeDocument/2006/relationships" xmlns:p="http://schemas.openxmlformats.org/presentationml/2006/main">
+  <p:cSld>
+    <p:spTree>
+      <p:nvGrpSpPr>
+        <p:cNvPr id="1" name=""/>
+        <p:cNvGrpSpPr/>
+        <p:nvPr/>
+      </p:nvGrpSpPr>
+      <p:grpSpPr>
+        <a:xfrm>
+          <a:off x="0" y="0"/>
+          <a:ext cx="0" cy="0"/>
+          <a:chOff x="0" y="0"/>
+          <a:chExt cx="0" cy="0"/>
+        </a:xfrm>
+      </p:grpSpPr>
+      <p:sp>
+        <p:nvSpPr>
+          <p:cNvPr id="39" name="Rounded Rectangle 38"/>
+          <p:cNvSpPr/>
+          <p:nvPr/>
+        </p:nvSpPr>
+        <p:spPr>
+          <a:xfrm>
+            <a:off x="304800" y="4038600"/>
+            <a:ext cx="4419600" cy="838200"/>
+          </a:xfrm>
+          <a:prstGeom prst="roundRect">
+            <a:avLst/>
+          </a:prstGeom>
+          <a:solidFill>
+            <a:schemeClr val="accent6">
+              <a:lumMod val="50000"/>
+            </a:schemeClr>
+          </a:solidFill>
+        </p:spPr>
+        <p:style>
+          <a:lnRef idx="2">
+            <a:schemeClr val="accent1">
+              <a:shade val="50000"/>
+            </a:schemeClr>
+          </a:lnRef>
+          <a:fillRef idx="1">
+            <a:schemeClr val="accent1"/>
+          </a:fillRef>
+          <a:effectRef idx="0">
+            <a:schemeClr val="accent1"/>
+          </a:effectRef>
+          <a:fontRef idx="minor">
+            <a:schemeClr val="lt1"/>
+          </a:fontRef>
+        </p:style>
+        <p:txBody>
+          <a:bodyPr rtlCol="0" anchor="ctr"/>
+          <a:lstStyle/>
+          <a:p>
+            <a:pPr algn="ctr"/>
+            <a:endParaRPr lang="en-US"/>
+          </a:p>
+        </p:txBody>
+      </p:sp>
+      <p:sp>
+        <p:nvSpPr>
+          <p:cNvPr id="38" name="Rounded Rectangle 37"/>
+          <p:cNvSpPr/>
+          <p:nvPr/>
+        </p:nvSpPr>
+        <p:spPr>
+          <a:xfrm>
+            <a:off x="4191000" y="304800"/>
+            <a:ext cx="4419600" cy="838200"/>
+          </a:xfrm>
+          <a:prstGeom prst="roundRect">
+            <a:avLst/>
+          </a:prstGeom>
+          <a:solidFill>
+            <a:schemeClr val="accent6">
+              <a:lumMod val="50000"/>
+            </a:schemeClr>
+          </a:solidFill>
+        </p:spPr>
+        <p:style>
+          <a:lnRef idx="2">
+            <a:schemeClr val="accent1">
+              <a:shade val="50000"/>
+            </a:schemeClr>
+          </a:lnRef>
+          <a:fillRef idx="1">
+            <a:schemeClr val="accent1"/>
+          </a:fillRef>
+          <a:effectRef idx="0">
+            <a:schemeClr val="accent1"/>
+          </a:effectRef>
+          <a:fontRef idx="minor">
+            <a:schemeClr val="lt1"/>
+          </a:fontRef>
+        </p:style>
+        <p:txBody>
+          <a:bodyPr rtlCol="0" anchor="ctr"/>
+          <a:lstStyle/>
+          <a:p>
+            <a:pPr algn="ctr"/>
+            <a:endParaRPr lang="en-US"/>
+          </a:p>
+        </p:txBody>
+      </p:sp>
+      <p:sp>
+        <p:nvSpPr>
+          <p:cNvPr id="14" name="Rectangle 13"/>
+          <p:cNvSpPr/>
+          <p:nvPr/>
+        </p:nvSpPr>
+        <p:spPr>
+          <a:xfrm>
+            <a:off x="5638800" y="381000"/>
+            <a:ext cx="2895600" cy="685800"/>
+          </a:xfrm>
+          <a:prstGeom prst="rect">
+            <a:avLst/>
+          </a:prstGeom>
+          <a:solidFill>
+            <a:schemeClr val="accent2">
+              <a:lumMod val="60000"/>
+              <a:lumOff val="40000"/>
+            </a:schemeClr>
+          </a:solidFill>
+        </p:spPr>
+        <p:style>
+          <a:lnRef idx="2">
+            <a:schemeClr val="accent1">
+              <a:shade val="50000"/>
+            </a:schemeClr>
+          </a:lnRef>
+          <a:fillRef idx="1">
+            <a:schemeClr val="accent1"/>
+          </a:fillRef>
+          <a:effectRef idx="0">
+            <a:schemeClr val="accent1"/>
+          </a:effectRef>
+          <a:fontRef idx="minor">
+            <a:schemeClr val="lt1"/>
+          </a:fontRef>
+        </p:style>
+        <p:txBody>
+          <a:bodyPr rtlCol="0" anchor="ctr"/>
+          <a:lstStyle/>
+          <a:p>
+            <a:pPr algn="ctr"/>
+            <a:endParaRPr lang="en-US"/>
+          </a:p>
+        </p:txBody>
+      </p:sp>
+      <p:sp>
+        <p:nvSpPr>
+          <p:cNvPr id="7" name="Rectangle 6"/>
+          <p:cNvSpPr/>
+          <p:nvPr/>
+        </p:nvSpPr>
+        <p:spPr>
+          <a:xfrm>
+            <a:off x="7010400" y="457200"/>
+            <a:ext cx="1447800" cy="533400"/>
+          </a:xfrm>
+          <a:prstGeom prst="rect">
+            <a:avLst/>
+          </a:prstGeom>
+        </p:spPr>
+        <p:style>
+          <a:lnRef idx="2">
+            <a:schemeClr val="accent1">
+              <a:shade val="50000"/>
+            </a:schemeClr>
+          </a:lnRef>
+          <a:fillRef idx="1">
+            <a:schemeClr val="accent1"/>
+          </a:fillRef>
+          <a:effectRef idx="0">
+            <a:schemeClr val="accent1"/>
+          </a:effectRef>
+          <a:fontRef idx="minor">
+            <a:schemeClr val="lt1"/>
+          </a:fontRef>
+        </p:style>
+        <p:txBody>
+          <a:bodyPr rtlCol="0" anchor="ctr"/>
+          <a:lstStyle/>
+          <a:p>
+            <a:pPr algn="ctr"/>
+            <a:r>
+              <a:rPr lang="en-US" smtClean="0"/>
+              <a:t>Dữ liệu</a:t>
+            </a:r>
+            <a:endParaRPr lang="en-US"/>
+          </a:p>
+        </p:txBody>
+      </p:sp>
+      <p:sp>
+        <p:nvSpPr>
+          <p:cNvPr id="8" name="Rectangle 7"/>
+          <p:cNvSpPr/>
+          <p:nvPr/>
+        </p:nvSpPr>
+        <p:spPr>
+          <a:xfrm>
+            <a:off x="7086600" y="1981200"/>
+            <a:ext cx="1447800" cy="1066800"/>
+          </a:xfrm>
+          <a:prstGeom prst="rect">
+            <a:avLst/>
+          </a:prstGeom>
+        </p:spPr>
+        <p:style>
+          <a:lnRef idx="2">
+            <a:schemeClr val="accent1">
+              <a:shade val="50000"/>
+            </a:schemeClr>
+          </a:lnRef>
+          <a:fillRef idx="1">
+            <a:schemeClr val="accent1"/>
+          </a:fillRef>
+          <a:effectRef idx="0">
+            <a:schemeClr val="accent1"/>
+          </a:effectRef>
+          <a:fontRef idx="minor">
+            <a:schemeClr val="lt1"/>
+          </a:fontRef>
+        </p:style>
+        <p:txBody>
+          <a:bodyPr rtlCol="0" anchor="ctr"/>
+          <a:lstStyle/>
+          <a:p>
+            <a:pPr algn="ctr"/>
+            <a:r>
+              <a:rPr lang="en-US" smtClean="0"/>
+              <a:t>Hàng đợi lớp điều khiển</a:t>
+            </a:r>
+            <a:endParaRPr lang="en-US"/>
+          </a:p>
+        </p:txBody>
+      </p:sp>
+      <p:sp>
+        <p:nvSpPr>
+          <p:cNvPr id="12" name="Rectangle 11"/>
+          <p:cNvSpPr/>
+          <p:nvPr/>
+        </p:nvSpPr>
+        <p:spPr>
+          <a:xfrm>
+            <a:off x="4343400" y="457200"/>
+            <a:ext cx="1143000" cy="533400"/>
+          </a:xfrm>
+          <a:prstGeom prst="rect">
+            <a:avLst/>
+          </a:prstGeom>
+        </p:spPr>
+        <p:style>
+          <a:lnRef idx="2">
+            <a:schemeClr val="accent1">
+              <a:shade val="50000"/>
+            </a:schemeClr>
+          </a:lnRef>
+          <a:fillRef idx="1">
+            <a:schemeClr val="accent1"/>
+          </a:fillRef>
+          <a:effectRef idx="0">
+            <a:schemeClr val="accent1"/>
+          </a:effectRef>
+          <a:fontRef idx="minor">
+            <a:schemeClr val="lt1"/>
+          </a:fontRef>
+        </p:style>
+        <p:txBody>
+          <a:bodyPr rtlCol="0" anchor="ctr"/>
+          <a:lstStyle/>
+          <a:p>
+            <a:pPr algn="ctr"/>
+            <a:r>
+              <a:rPr lang="en-US" smtClean="0"/>
+              <a:t>Header 2</a:t>
+            </a:r>
+            <a:endParaRPr lang="en-US"/>
+          </a:p>
+        </p:txBody>
+      </p:sp>
+      <p:sp>
+        <p:nvSpPr>
+          <p:cNvPr id="16" name="Rectangle 15"/>
+          <p:cNvSpPr/>
+          <p:nvPr/>
+        </p:nvSpPr>
+        <p:spPr>
+          <a:xfrm>
+            <a:off x="4495800" y="1981200"/>
+            <a:ext cx="1447800" cy="1066800"/>
+          </a:xfrm>
+          <a:prstGeom prst="rect">
+            <a:avLst/>
+          </a:prstGeom>
+        </p:spPr>
+        <p:style>
+          <a:lnRef idx="2">
+            <a:schemeClr val="accent1">
+              <a:shade val="50000"/>
+            </a:schemeClr>
+          </a:lnRef>
+          <a:fillRef idx="1">
+            <a:schemeClr val="accent1"/>
+          </a:fillRef>
+          <a:effectRef idx="0">
+            <a:schemeClr val="accent1"/>
+          </a:effectRef>
+          <a:fontRef idx="minor">
+            <a:schemeClr val="lt1"/>
+          </a:fontRef>
+        </p:style>
+        <p:txBody>
+          <a:bodyPr rtlCol="0" anchor="ctr"/>
+          <a:lstStyle/>
+          <a:p>
+            <a:pPr algn="ctr"/>
+            <a:r>
+              <a:rPr lang="en-US" smtClean="0"/>
+              <a:t>Hàng đợi lớp vật lý</a:t>
+            </a:r>
+            <a:endParaRPr lang="en-US"/>
+          </a:p>
+        </p:txBody>
+      </p:sp>
+      <p:sp>
+        <p:nvSpPr>
+          <p:cNvPr id="17" name="Rectangle 16"/>
+          <p:cNvSpPr/>
+          <p:nvPr/>
+        </p:nvSpPr>
+        <p:spPr>
+          <a:xfrm>
+            <a:off x="5715000" y="457200"/>
+            <a:ext cx="1219200" cy="533400"/>
+          </a:xfrm>
+          <a:prstGeom prst="rect">
+            <a:avLst/>
+          </a:prstGeom>
+        </p:spPr>
+        <p:style>
+          <a:lnRef idx="2">
+            <a:schemeClr val="accent1">
+              <a:shade val="50000"/>
+            </a:schemeClr>
+          </a:lnRef>
+          <a:fillRef idx="1">
+            <a:schemeClr val="accent1"/>
+          </a:fillRef>
+          <a:effectRef idx="0">
+            <a:schemeClr val="accent1"/>
+          </a:effectRef>
+          <a:fontRef idx="minor">
+            <a:schemeClr val="lt1"/>
+          </a:fontRef>
+        </p:style>
+        <p:txBody>
+          <a:bodyPr rtlCol="0" anchor="ctr"/>
+          <a:lstStyle/>
+          <a:p>
+            <a:pPr algn="ctr"/>
+            <a:r>
+              <a:rPr lang="en-US" smtClean="0"/>
+              <a:t>Header 1</a:t>
+            </a:r>
+            <a:endParaRPr lang="en-US"/>
+          </a:p>
+        </p:txBody>
+      </p:sp>
+      <p:sp>
+        <p:nvSpPr>
+          <p:cNvPr id="19" name="Rectangle 18"/>
+          <p:cNvSpPr/>
+          <p:nvPr/>
+        </p:nvSpPr>
+        <p:spPr>
+          <a:xfrm>
+            <a:off x="533400" y="457200"/>
+            <a:ext cx="1447800" cy="533400"/>
+          </a:xfrm>
+          <a:prstGeom prst="rect">
+            <a:avLst/>
+          </a:prstGeom>
+        </p:spPr>
+        <p:style>
+          <a:lnRef idx="2">
+            <a:schemeClr val="accent1">
+              <a:shade val="50000"/>
+            </a:schemeClr>
+          </a:lnRef>
+          <a:fillRef idx="1">
+            <a:schemeClr val="accent1"/>
+          </a:fillRef>
+          <a:effectRef idx="0">
+            <a:schemeClr val="accent1"/>
+          </a:effectRef>
+          <a:fontRef idx="minor">
+            <a:schemeClr val="lt1"/>
+          </a:fontRef>
+        </p:style>
+        <p:txBody>
+          <a:bodyPr rtlCol="0" anchor="ctr"/>
+          <a:lstStyle/>
+          <a:p>
+            <a:pPr algn="ctr"/>
+            <a:r>
+              <a:rPr lang="en-US" smtClean="0"/>
+              <a:t>Dữ liệu</a:t>
+            </a:r>
+            <a:endParaRPr lang="en-US"/>
+          </a:p>
+        </p:txBody>
+      </p:sp>
+      <p:sp>
+        <p:nvSpPr>
+          <p:cNvPr id="22" name="Rectangle 21"/>
+          <p:cNvSpPr/>
+          <p:nvPr/>
+        </p:nvSpPr>
+        <p:spPr>
+          <a:xfrm>
+            <a:off x="457200" y="2133600"/>
+            <a:ext cx="2895600" cy="685800"/>
+          </a:xfrm>
+          <a:prstGeom prst="rect">
+            <a:avLst/>
+          </a:prstGeom>
+          <a:solidFill>
+            <a:schemeClr val="accent2">
+              <a:lumMod val="60000"/>
+              <a:lumOff val="40000"/>
+            </a:schemeClr>
+          </a:solidFill>
+        </p:spPr>
+        <p:style>
+          <a:lnRef idx="2">
+            <a:schemeClr val="accent1">
+              <a:shade val="50000"/>
+            </a:schemeClr>
+          </a:lnRef>
+          <a:fillRef idx="1">
+            <a:schemeClr val="accent1"/>
+          </a:fillRef>
+          <a:effectRef idx="0">
+            <a:schemeClr val="accent1"/>
+          </a:effectRef>
+          <a:fontRef idx="minor">
+            <a:schemeClr val="lt1"/>
+          </a:fontRef>
+        </p:style>
+        <p:txBody>
+          <a:bodyPr rtlCol="0" anchor="ctr"/>
+          <a:lstStyle/>
+          <a:p>
+            <a:pPr algn="ctr"/>
+            <a:endParaRPr lang="en-US"/>
+          </a:p>
+        </p:txBody>
+      </p:sp>
+      <p:sp>
+        <p:nvSpPr>
+          <p:cNvPr id="23" name="Rectangle 22"/>
+          <p:cNvSpPr/>
+          <p:nvPr/>
+        </p:nvSpPr>
+        <p:spPr>
+          <a:xfrm>
+            <a:off x="1828800" y="2209800"/>
+            <a:ext cx="1447800" cy="533400"/>
+          </a:xfrm>
+          <a:prstGeom prst="rect">
+            <a:avLst/>
+          </a:prstGeom>
+        </p:spPr>
+        <p:style>
+          <a:lnRef idx="2">
+            <a:schemeClr val="accent1">
+              <a:shade val="50000"/>
+            </a:schemeClr>
+          </a:lnRef>
+          <a:fillRef idx="1">
+            <a:schemeClr val="accent1"/>
+          </a:fillRef>
+          <a:effectRef idx="0">
+            <a:schemeClr val="accent1"/>
+          </a:effectRef>
+          <a:fontRef idx="minor">
+            <a:schemeClr val="lt1"/>
+          </a:fontRef>
+        </p:style>
+        <p:txBody>
+          <a:bodyPr rtlCol="0" anchor="ctr"/>
+          <a:lstStyle/>
+          <a:p>
+            <a:pPr algn="ctr"/>
+            <a:r>
+              <a:rPr lang="en-US" smtClean="0"/>
+              <a:t>Dữ liệu</a:t>
+            </a:r>
+            <a:endParaRPr lang="en-US"/>
+          </a:p>
+        </p:txBody>
+      </p:sp>
+      <p:sp>
+        <p:nvSpPr>
+          <p:cNvPr id="24" name="Rectangle 23"/>
+          <p:cNvSpPr/>
+          <p:nvPr/>
+        </p:nvSpPr>
+        <p:spPr>
+          <a:xfrm>
+            <a:off x="533400" y="2209800"/>
+            <a:ext cx="1219200" cy="533400"/>
+          </a:xfrm>
+          <a:prstGeom prst="rect">
+            <a:avLst/>
+          </a:prstGeom>
+        </p:spPr>
+        <p:style>
+          <a:lnRef idx="2">
+            <a:schemeClr val="accent1">
+              <a:shade val="50000"/>
+            </a:schemeClr>
+          </a:lnRef>
+          <a:fillRef idx="1">
+            <a:schemeClr val="accent1"/>
+          </a:fillRef>
+          <a:effectRef idx="0">
+            <a:schemeClr val="accent1"/>
+          </a:effectRef>
+          <a:fontRef idx="minor">
+            <a:schemeClr val="lt1"/>
+          </a:fontRef>
+        </p:style>
+        <p:txBody>
+          <a:bodyPr rtlCol="0" anchor="ctr"/>
+          <a:lstStyle/>
+          <a:p>
+            <a:pPr algn="ctr"/>
+            <a:r>
+              <a:rPr lang="en-US" smtClean="0"/>
+              <a:t>Header 1</a:t>
+            </a:r>
+            <a:endParaRPr lang="en-US"/>
+          </a:p>
+        </p:txBody>
+      </p:sp>
+      <p:sp>
+        <p:nvSpPr>
+          <p:cNvPr id="25" name="Rectangle 24"/>
+          <p:cNvSpPr/>
+          <p:nvPr/>
+        </p:nvSpPr>
+        <p:spPr>
+          <a:xfrm>
+            <a:off x="1752600" y="4114800"/>
+            <a:ext cx="2895600" cy="685800"/>
+          </a:xfrm>
+          <a:prstGeom prst="rect">
+            <a:avLst/>
+          </a:prstGeom>
+          <a:solidFill>
+            <a:schemeClr val="accent2">
+              <a:lumMod val="60000"/>
+              <a:lumOff val="40000"/>
+            </a:schemeClr>
+          </a:solidFill>
+        </p:spPr>
+        <p:style>
+          <a:lnRef idx="2">
+            <a:schemeClr val="accent1">
+              <a:shade val="50000"/>
+            </a:schemeClr>
+          </a:lnRef>
+          <a:fillRef idx="1">
+            <a:schemeClr val="accent1"/>
+          </a:fillRef>
+          <a:effectRef idx="0">
+            <a:schemeClr val="accent1"/>
+          </a:effectRef>
+          <a:fontRef idx="minor">
+            <a:schemeClr val="lt1"/>
+          </a:fontRef>
+        </p:style>
+        <p:txBody>
+          <a:bodyPr rtlCol="0" anchor="ctr"/>
+          <a:lstStyle/>
+          <a:p>
+            <a:pPr algn="ctr"/>
+            <a:endParaRPr lang="en-US"/>
+          </a:p>
+        </p:txBody>
+      </p:sp>
+      <p:sp>
+        <p:nvSpPr>
+          <p:cNvPr id="26" name="Rectangle 25"/>
+          <p:cNvSpPr/>
+          <p:nvPr/>
+        </p:nvSpPr>
+        <p:spPr>
+          <a:xfrm>
+            <a:off x="3124200" y="4191000"/>
+            <a:ext cx="1447800" cy="533400"/>
+          </a:xfrm>
+          <a:prstGeom prst="rect">
+            <a:avLst/>
+          </a:prstGeom>
+        </p:spPr>
+        <p:style>
+          <a:lnRef idx="2">
+            <a:schemeClr val="accent1">
+              <a:shade val="50000"/>
+            </a:schemeClr>
+          </a:lnRef>
+          <a:fillRef idx="1">
+            <a:schemeClr val="accent1"/>
+          </a:fillRef>
+          <a:effectRef idx="0">
+            <a:schemeClr val="accent1"/>
+          </a:effectRef>
+          <a:fontRef idx="minor">
+            <a:schemeClr val="lt1"/>
+          </a:fontRef>
+        </p:style>
+        <p:txBody>
+          <a:bodyPr rtlCol="0" anchor="ctr"/>
+          <a:lstStyle/>
+          <a:p>
+            <a:pPr algn="ctr"/>
+            <a:r>
+              <a:rPr lang="en-US" smtClean="0"/>
+              <a:t>Dữ liệu</a:t>
+            </a:r>
+            <a:endParaRPr lang="en-US"/>
+          </a:p>
+        </p:txBody>
+      </p:sp>
+      <p:sp>
+        <p:nvSpPr>
+          <p:cNvPr id="27" name="Rectangle 26"/>
+          <p:cNvSpPr/>
+          <p:nvPr/>
+        </p:nvSpPr>
+        <p:spPr>
+          <a:xfrm>
+            <a:off x="457200" y="4191000"/>
+            <a:ext cx="1143000" cy="533400"/>
+          </a:xfrm>
+          <a:prstGeom prst="rect">
+            <a:avLst/>
+          </a:prstGeom>
+        </p:spPr>
+        <p:style>
+          <a:lnRef idx="2">
+            <a:schemeClr val="accent1">
+              <a:shade val="50000"/>
+            </a:schemeClr>
+          </a:lnRef>
+          <a:fillRef idx="1">
+            <a:schemeClr val="accent1"/>
+          </a:fillRef>
+          <a:effectRef idx="0">
+            <a:schemeClr val="accent1"/>
+          </a:effectRef>
+          <a:fontRef idx="minor">
+            <a:schemeClr val="lt1"/>
+          </a:fontRef>
+        </p:style>
+        <p:txBody>
+          <a:bodyPr rtlCol="0" anchor="ctr"/>
+          <a:lstStyle/>
+          <a:p>
+            <a:pPr algn="ctr"/>
+            <a:r>
+              <a:rPr lang="en-US" smtClean="0"/>
+              <a:t>Header 2</a:t>
+            </a:r>
+            <a:endParaRPr lang="en-US"/>
+          </a:p>
+        </p:txBody>
+      </p:sp>
+      <p:sp>
+        <p:nvSpPr>
+          <p:cNvPr id="28" name="Rectangle 27"/>
+          <p:cNvSpPr/>
+          <p:nvPr/>
+        </p:nvSpPr>
+        <p:spPr>
+          <a:xfrm>
+            <a:off x="1828800" y="4191000"/>
+            <a:ext cx="1219200" cy="533400"/>
+          </a:xfrm>
+          <a:prstGeom prst="rect">
+            <a:avLst/>
+          </a:prstGeom>
+        </p:spPr>
+        <p:style>
+          <a:lnRef idx="2">
+            <a:schemeClr val="accent1">
+              <a:shade val="50000"/>
+            </a:schemeClr>
+          </a:lnRef>
+          <a:fillRef idx="1">
+            <a:schemeClr val="accent1"/>
+          </a:fillRef>
+          <a:effectRef idx="0">
+            <a:schemeClr val="accent1"/>
+          </a:effectRef>
+          <a:fontRef idx="minor">
+            <a:schemeClr val="lt1"/>
+          </a:fontRef>
+        </p:style>
+        <p:txBody>
+          <a:bodyPr rtlCol="0" anchor="ctr"/>
+          <a:lstStyle/>
+          <a:p>
+            <a:pPr algn="ctr"/>
+            <a:r>
+              <a:rPr lang="en-US" smtClean="0"/>
+              <a:t>Header 1</a:t>
+            </a:r>
+            <a:endParaRPr lang="en-US"/>
+          </a:p>
+        </p:txBody>
+      </p:sp>
+      <p:sp>
+        <p:nvSpPr>
+          <p:cNvPr id="30" name="Left-Right Arrow 29"/>
+          <p:cNvSpPr/>
+          <p:nvPr/>
+        </p:nvSpPr>
+        <p:spPr>
+          <a:xfrm>
+            <a:off x="2362200" y="609600"/>
+            <a:ext cx="1600200" cy="228600"/>
+          </a:xfrm>
+          <a:prstGeom prst="leftRightArrow">
+            <a:avLst/>
+          </a:prstGeom>
+        </p:spPr>
+        <p:style>
+          <a:lnRef idx="2">
+            <a:schemeClr val="accent1">
+              <a:shade val="50000"/>
+            </a:schemeClr>
+          </a:lnRef>
+          <a:fillRef idx="1">
+            <a:schemeClr val="accent1"/>
+          </a:fillRef>
+          <a:effectRef idx="0">
+            <a:schemeClr val="accent1"/>
+          </a:effectRef>
+          <a:fontRef idx="minor">
+            <a:schemeClr val="lt1"/>
+          </a:fontRef>
+        </p:style>
+        <p:txBody>
+          <a:bodyPr rtlCol="0" anchor="ctr"/>
+          <a:lstStyle/>
+          <a:p>
+            <a:pPr algn="ctr"/>
+            <a:endParaRPr lang="en-US"/>
+          </a:p>
+        </p:txBody>
+      </p:sp>
+      <p:sp>
+        <p:nvSpPr>
+          <p:cNvPr id="31" name="Left-Right Arrow 30"/>
+          <p:cNvSpPr/>
+          <p:nvPr/>
+        </p:nvSpPr>
+        <p:spPr>
+          <a:xfrm>
+            <a:off x="3657600" y="2362200"/>
+            <a:ext cx="609600" cy="304800"/>
+          </a:xfrm>
+          <a:prstGeom prst="leftRightArrow">
+            <a:avLst/>
+          </a:prstGeom>
+        </p:spPr>
+        <p:style>
+          <a:lnRef idx="2">
+            <a:schemeClr val="accent1">
+              <a:shade val="50000"/>
+            </a:schemeClr>
+          </a:lnRef>
+          <a:fillRef idx="1">
+            <a:schemeClr val="accent1"/>
+          </a:fillRef>
+          <a:effectRef idx="0">
+            <a:schemeClr val="accent1"/>
+          </a:effectRef>
+          <a:fontRef idx="minor">
+            <a:schemeClr val="lt1"/>
+          </a:fontRef>
+        </p:style>
+        <p:txBody>
+          <a:bodyPr rtlCol="0" anchor="ctr"/>
+          <a:lstStyle/>
+          <a:p>
+            <a:pPr algn="ctr"/>
+            <a:endParaRPr lang="en-US"/>
+          </a:p>
+        </p:txBody>
+      </p:sp>
+      <p:sp>
+        <p:nvSpPr>
+          <p:cNvPr id="32" name="Left-Right Arrow 31"/>
+          <p:cNvSpPr/>
+          <p:nvPr/>
+        </p:nvSpPr>
+        <p:spPr>
+          <a:xfrm>
+            <a:off x="6172200" y="2286000"/>
+            <a:ext cx="685800" cy="381000"/>
+          </a:xfrm>
+          <a:prstGeom prst="leftRightArrow">
+            <a:avLst/>
+          </a:prstGeom>
+        </p:spPr>
+        <p:style>
+          <a:lnRef idx="2">
+            <a:schemeClr val="accent1">
+              <a:shade val="50000"/>
+            </a:schemeClr>
+          </a:lnRef>
+          <a:fillRef idx="1">
+            <a:schemeClr val="accent1"/>
+          </a:fillRef>
+          <a:effectRef idx="0">
+            <a:schemeClr val="accent1"/>
+          </a:effectRef>
+          <a:fontRef idx="minor">
+            <a:schemeClr val="lt1"/>
+          </a:fontRef>
+        </p:style>
+        <p:txBody>
+          <a:bodyPr rtlCol="0" anchor="ctr"/>
+          <a:lstStyle/>
+          <a:p>
+            <a:pPr algn="ctr"/>
+            <a:endParaRPr lang="en-US"/>
+          </a:p>
+        </p:txBody>
+      </p:sp>
+      <p:sp>
+        <p:nvSpPr>
+          <p:cNvPr id="33" name="Up-Down Arrow 32"/>
+          <p:cNvSpPr/>
+          <p:nvPr/>
+        </p:nvSpPr>
+        <p:spPr>
+          <a:xfrm>
+            <a:off x="1676400" y="2971800"/>
+            <a:ext cx="228600" cy="685800"/>
+          </a:xfrm>
+          <a:prstGeom prst="upDownArrow">
+            <a:avLst/>
+          </a:prstGeom>
+        </p:spPr>
+        <p:style>
+          <a:lnRef idx="2">
+            <a:schemeClr val="accent1">
+              <a:shade val="50000"/>
+            </a:schemeClr>
+          </a:lnRef>
+          <a:fillRef idx="1">
+            <a:schemeClr val="accent1"/>
+          </a:fillRef>
+          <a:effectRef idx="0">
+            <a:schemeClr val="accent1"/>
+          </a:effectRef>
+          <a:fontRef idx="minor">
+            <a:schemeClr val="lt1"/>
+          </a:fontRef>
+        </p:style>
+        <p:txBody>
+          <a:bodyPr rtlCol="0" anchor="ctr"/>
+          <a:lstStyle/>
+          <a:p>
+            <a:pPr algn="ctr"/>
+            <a:endParaRPr lang="en-US"/>
+          </a:p>
+        </p:txBody>
+      </p:sp>
+      <p:sp>
+        <p:nvSpPr>
+          <p:cNvPr id="36" name="Cloud 35"/>
+          <p:cNvSpPr/>
+          <p:nvPr/>
+        </p:nvSpPr>
+        <p:spPr>
+          <a:xfrm>
+            <a:off x="6019800" y="3657600"/>
+            <a:ext cx="2362200" cy="1752600"/>
+          </a:xfrm>
+          <a:prstGeom prst="cloud">
+            <a:avLst/>
+          </a:prstGeom>
+        </p:spPr>
+        <p:style>
+          <a:lnRef idx="2">
+            <a:schemeClr val="accent1">
+              <a:shade val="50000"/>
+            </a:schemeClr>
+          </a:lnRef>
+          <a:fillRef idx="1">
+            <a:schemeClr val="accent1"/>
+          </a:fillRef>
+          <a:effectRef idx="0">
+            <a:schemeClr val="accent1"/>
+          </a:effectRef>
+          <a:fontRef idx="minor">
+            <a:schemeClr val="lt1"/>
+          </a:fontRef>
+        </p:style>
+        <p:txBody>
+          <a:bodyPr rtlCol="0" anchor="ctr"/>
+          <a:lstStyle/>
+          <a:p>
+            <a:pPr algn="ctr"/>
+            <a:r>
+              <a:rPr lang="en-US" smtClean="0"/>
+              <a:t>Đường truyền</a:t>
+            </a:r>
+            <a:endParaRPr lang="en-US"/>
+          </a:p>
+        </p:txBody>
+      </p:sp>
+      <p:sp>
+        <p:nvSpPr>
+          <p:cNvPr id="37" name="Left-Right Arrow 36"/>
+          <p:cNvSpPr/>
+          <p:nvPr/>
+        </p:nvSpPr>
+        <p:spPr>
+          <a:xfrm>
+            <a:off x="4876800" y="4267200"/>
+            <a:ext cx="1066800" cy="381000"/>
+          </a:xfrm>
+          <a:prstGeom prst="leftRightArrow">
+            <a:avLst/>
+          </a:prstGeom>
+        </p:spPr>
+        <p:style>
+          <a:lnRef idx="2">
+            <a:schemeClr val="accent1">
+              <a:shade val="50000"/>
+            </a:schemeClr>
+          </a:lnRef>
+          <a:fillRef idx="1">
+            <a:schemeClr val="accent1"/>
+          </a:fillRef>
+          <a:effectRef idx="0">
+            <a:schemeClr val="accent1"/>
+          </a:effectRef>
+          <a:fontRef idx="minor">
+            <a:schemeClr val="lt1"/>
+          </a:fontRef>
+        </p:style>
+        <p:txBody>
+          <a:bodyPr rtlCol="0" anchor="ctr"/>
+          <a:lstStyle/>
+          <a:p>
+            <a:pPr algn="ctr"/>
             <a:endParaRPr lang="en-US"/>
           </a:p>
         </p:txBody>

--- a/trunk/diagram.pptx
+++ b/trunk/diagram.pptx
@@ -8,6 +8,7 @@
     <p:sldId id="256" r:id="rId2"/>
     <p:sldId id="257" r:id="rId3"/>
     <p:sldId id="258" r:id="rId4"/>
+    <p:sldId id="259" r:id="rId5"/>
   </p:sldIdLst>
   <p:sldSz cx="9144000" cy="6858000" type="screen4x3"/>
   <p:notesSz cx="6858000" cy="9144000"/>
@@ -291,7 +292,7 @@
             <a:fld id="{58B7D8E9-0FBC-476E-9059-A92F3A03B53F}" type="datetimeFigureOut">
               <a:rPr lang="en-US" smtClean="0"/>
               <a:pPr/>
-              <a:t>5/8/2010</a:t>
+              <a:t>5/11/2010</a:t>
             </a:fld>
             <a:endParaRPr lang="en-US"/>
           </a:p>
@@ -458,7 +459,7 @@
             <a:fld id="{58B7D8E9-0FBC-476E-9059-A92F3A03B53F}" type="datetimeFigureOut">
               <a:rPr lang="en-US" smtClean="0"/>
               <a:pPr/>
-              <a:t>5/8/2010</a:t>
+              <a:t>5/11/2010</a:t>
             </a:fld>
             <a:endParaRPr lang="en-US"/>
           </a:p>
@@ -635,7 +636,7 @@
             <a:fld id="{58B7D8E9-0FBC-476E-9059-A92F3A03B53F}" type="datetimeFigureOut">
               <a:rPr lang="en-US" smtClean="0"/>
               <a:pPr/>
-              <a:t>5/8/2010</a:t>
+              <a:t>5/11/2010</a:t>
             </a:fld>
             <a:endParaRPr lang="en-US"/>
           </a:p>
@@ -802,7 +803,7 @@
             <a:fld id="{58B7D8E9-0FBC-476E-9059-A92F3A03B53F}" type="datetimeFigureOut">
               <a:rPr lang="en-US" smtClean="0"/>
               <a:pPr/>
-              <a:t>5/8/2010</a:t>
+              <a:t>5/11/2010</a:t>
             </a:fld>
             <a:endParaRPr lang="en-US"/>
           </a:p>
@@ -1045,7 +1046,7 @@
             <a:fld id="{58B7D8E9-0FBC-476E-9059-A92F3A03B53F}" type="datetimeFigureOut">
               <a:rPr lang="en-US" smtClean="0"/>
               <a:pPr/>
-              <a:t>5/8/2010</a:t>
+              <a:t>5/11/2010</a:t>
             </a:fld>
             <a:endParaRPr lang="en-US"/>
           </a:p>
@@ -1330,7 +1331,7 @@
             <a:fld id="{58B7D8E9-0FBC-476E-9059-A92F3A03B53F}" type="datetimeFigureOut">
               <a:rPr lang="en-US" smtClean="0"/>
               <a:pPr/>
-              <a:t>5/8/2010</a:t>
+              <a:t>5/11/2010</a:t>
             </a:fld>
             <a:endParaRPr lang="en-US"/>
           </a:p>
@@ -1749,7 +1750,7 @@
             <a:fld id="{58B7D8E9-0FBC-476E-9059-A92F3A03B53F}" type="datetimeFigureOut">
               <a:rPr lang="en-US" smtClean="0"/>
               <a:pPr/>
-              <a:t>5/8/2010</a:t>
+              <a:t>5/11/2010</a:t>
             </a:fld>
             <a:endParaRPr lang="en-US"/>
           </a:p>
@@ -1864,7 +1865,7 @@
             <a:fld id="{58B7D8E9-0FBC-476E-9059-A92F3A03B53F}" type="datetimeFigureOut">
               <a:rPr lang="en-US" smtClean="0"/>
               <a:pPr/>
-              <a:t>5/8/2010</a:t>
+              <a:t>5/11/2010</a:t>
             </a:fld>
             <a:endParaRPr lang="en-US"/>
           </a:p>
@@ -1956,7 +1957,7 @@
             <a:fld id="{58B7D8E9-0FBC-476E-9059-A92F3A03B53F}" type="datetimeFigureOut">
               <a:rPr lang="en-US" smtClean="0"/>
               <a:pPr/>
-              <a:t>5/8/2010</a:t>
+              <a:t>5/11/2010</a:t>
             </a:fld>
             <a:endParaRPr lang="en-US"/>
           </a:p>
@@ -2230,7 +2231,7 @@
             <a:fld id="{58B7D8E9-0FBC-476E-9059-A92F3A03B53F}" type="datetimeFigureOut">
               <a:rPr lang="en-US" smtClean="0"/>
               <a:pPr/>
-              <a:t>5/8/2010</a:t>
+              <a:t>5/11/2010</a:t>
             </a:fld>
             <a:endParaRPr lang="en-US"/>
           </a:p>
@@ -2480,7 +2481,7 @@
             <a:fld id="{58B7D8E9-0FBC-476E-9059-A92F3A03B53F}" type="datetimeFigureOut">
               <a:rPr lang="en-US" smtClean="0"/>
               <a:pPr/>
-              <a:t>5/8/2010</a:t>
+              <a:t>5/11/2010</a:t>
             </a:fld>
             <a:endParaRPr lang="en-US"/>
           </a:p>
@@ -2690,7 +2691,7 @@
             <a:fld id="{58B7D8E9-0FBC-476E-9059-A92F3A03B53F}" type="datetimeFigureOut">
               <a:rPr lang="en-US" smtClean="0"/>
               <a:pPr/>
-              <a:t>5/8/2010</a:t>
+              <a:t>5/11/2010</a:t>
             </a:fld>
             <a:endParaRPr lang="en-US"/>
           </a:p>
@@ -5182,6 +5183,574 @@
           <a:lstStyle/>
           <a:p>
             <a:pPr algn="ctr"/>
+            <a:endParaRPr lang="en-US"/>
+          </a:p>
+        </p:txBody>
+      </p:sp>
+    </p:spTree>
+  </p:cSld>
+  <p:clrMapOvr>
+    <a:masterClrMapping/>
+  </p:clrMapOvr>
+</p:sld>
+</file>
+
+<file path=ppt/slides/slide4.xml><?xml version="1.0" encoding="utf-8"?>
+<p:sld xmlns:a="http://schemas.openxmlformats.org/drawingml/2006/main" xmlns:r="http://schemas.openxmlformats.org/officeDocument/2006/relationships" xmlns:p="http://schemas.openxmlformats.org/presentationml/2006/main">
+  <p:cSld>
+    <p:spTree>
+      <p:nvGrpSpPr>
+        <p:cNvPr id="1" name=""/>
+        <p:cNvGrpSpPr/>
+        <p:nvPr/>
+      </p:nvGrpSpPr>
+      <p:grpSpPr>
+        <a:xfrm>
+          <a:off x="0" y="0"/>
+          <a:ext cx="0" cy="0"/>
+          <a:chOff x="0" y="0"/>
+          <a:chExt cx="0" cy="0"/>
+        </a:xfrm>
+      </p:grpSpPr>
+      <p:sp>
+        <p:nvSpPr>
+          <p:cNvPr id="13" name="Rectangle 12"/>
+          <p:cNvSpPr/>
+          <p:nvPr/>
+        </p:nvSpPr>
+        <p:spPr>
+          <a:xfrm>
+            <a:off x="1905000" y="1447800"/>
+            <a:ext cx="5867400" cy="3124200"/>
+          </a:xfrm>
+          <a:prstGeom prst="rect">
+            <a:avLst/>
+          </a:prstGeom>
+          <a:solidFill>
+            <a:schemeClr val="bg1"/>
+          </a:solidFill>
+        </p:spPr>
+        <p:style>
+          <a:lnRef idx="2">
+            <a:schemeClr val="accent1">
+              <a:shade val="50000"/>
+            </a:schemeClr>
+          </a:lnRef>
+          <a:fillRef idx="1">
+            <a:schemeClr val="accent1"/>
+          </a:fillRef>
+          <a:effectRef idx="0">
+            <a:schemeClr val="accent1"/>
+          </a:effectRef>
+          <a:fontRef idx="minor">
+            <a:schemeClr val="lt1"/>
+          </a:fontRef>
+        </p:style>
+        <p:txBody>
+          <a:bodyPr rtlCol="0" anchor="ctr"/>
+          <a:lstStyle/>
+          <a:p>
+            <a:pPr algn="ctr"/>
+            <a:endParaRPr lang="en-US"/>
+          </a:p>
+        </p:txBody>
+      </p:sp>
+      <p:sp>
+        <p:nvSpPr>
+          <p:cNvPr id="4" name="Rectangle 3"/>
+          <p:cNvSpPr/>
+          <p:nvPr/>
+        </p:nvSpPr>
+        <p:spPr>
+          <a:xfrm>
+            <a:off x="2895600" y="3200400"/>
+            <a:ext cx="1524000" cy="838200"/>
+          </a:xfrm>
+          <a:prstGeom prst="rect">
+            <a:avLst/>
+          </a:prstGeom>
+          <a:solidFill>
+            <a:schemeClr val="bg1"/>
+          </a:solidFill>
+        </p:spPr>
+        <p:style>
+          <a:lnRef idx="2">
+            <a:schemeClr val="accent1">
+              <a:shade val="50000"/>
+            </a:schemeClr>
+          </a:lnRef>
+          <a:fillRef idx="1">
+            <a:schemeClr val="accent1"/>
+          </a:fillRef>
+          <a:effectRef idx="0">
+            <a:schemeClr val="accent1"/>
+          </a:effectRef>
+          <a:fontRef idx="minor">
+            <a:schemeClr val="lt1"/>
+          </a:fontRef>
+        </p:style>
+        <p:txBody>
+          <a:bodyPr rtlCol="0" anchor="ctr"/>
+          <a:lstStyle/>
+          <a:p>
+            <a:pPr algn="ctr"/>
+            <a:r>
+              <a:rPr lang="en-US" sz="1600" smtClean="0">
+                <a:solidFill>
+                  <a:schemeClr val="tx1"/>
+                </a:solidFill>
+              </a:rPr>
+              <a:t>Bộ lọc</a:t>
+            </a:r>
+            <a:endParaRPr lang="en-US" sz="1600">
+              <a:solidFill>
+                <a:schemeClr val="tx1"/>
+              </a:solidFill>
+            </a:endParaRPr>
+          </a:p>
+        </p:txBody>
+      </p:sp>
+      <p:sp>
+        <p:nvSpPr>
+          <p:cNvPr id="5" name="Rectangle 4"/>
+          <p:cNvSpPr/>
+          <p:nvPr/>
+        </p:nvSpPr>
+        <p:spPr>
+          <a:xfrm>
+            <a:off x="2895600" y="2209800"/>
+            <a:ext cx="1524000" cy="838200"/>
+          </a:xfrm>
+          <a:prstGeom prst="rect">
+            <a:avLst/>
+          </a:prstGeom>
+          <a:solidFill>
+            <a:schemeClr val="bg1"/>
+          </a:solidFill>
+        </p:spPr>
+        <p:style>
+          <a:lnRef idx="2">
+            <a:schemeClr val="accent1">
+              <a:shade val="50000"/>
+            </a:schemeClr>
+          </a:lnRef>
+          <a:fillRef idx="1">
+            <a:schemeClr val="accent1"/>
+          </a:fillRef>
+          <a:effectRef idx="0">
+            <a:schemeClr val="accent1"/>
+          </a:effectRef>
+          <a:fontRef idx="minor">
+            <a:schemeClr val="lt1"/>
+          </a:fontRef>
+        </p:style>
+        <p:txBody>
+          <a:bodyPr rtlCol="0" anchor="ctr"/>
+          <a:lstStyle/>
+          <a:p>
+            <a:pPr algn="ctr"/>
+            <a:r>
+              <a:rPr lang="en-US" smtClean="0">
+                <a:solidFill>
+                  <a:schemeClr val="tx1"/>
+                </a:solidFill>
+              </a:rPr>
+              <a:t>Khối nguồn</a:t>
+            </a:r>
+            <a:endParaRPr lang="en-US">
+              <a:solidFill>
+                <a:schemeClr val="tx1"/>
+              </a:solidFill>
+            </a:endParaRPr>
+          </a:p>
+        </p:txBody>
+      </p:sp>
+      <p:sp>
+        <p:nvSpPr>
+          <p:cNvPr id="6" name="Rectangle 5"/>
+          <p:cNvSpPr/>
+          <p:nvPr/>
+        </p:nvSpPr>
+        <p:spPr>
+          <a:xfrm>
+            <a:off x="5410200" y="3200400"/>
+            <a:ext cx="1447800" cy="838200"/>
+          </a:xfrm>
+          <a:prstGeom prst="rect">
+            <a:avLst/>
+          </a:prstGeom>
+          <a:solidFill>
+            <a:schemeClr val="bg1"/>
+          </a:solidFill>
+        </p:spPr>
+        <p:style>
+          <a:lnRef idx="2">
+            <a:schemeClr val="accent1">
+              <a:shade val="50000"/>
+            </a:schemeClr>
+          </a:lnRef>
+          <a:fillRef idx="1">
+            <a:schemeClr val="accent1"/>
+          </a:fillRef>
+          <a:effectRef idx="0">
+            <a:schemeClr val="accent1"/>
+          </a:effectRef>
+          <a:fontRef idx="minor">
+            <a:schemeClr val="lt1"/>
+          </a:fontRef>
+        </p:style>
+        <p:txBody>
+          <a:bodyPr rtlCol="0" anchor="ctr"/>
+          <a:lstStyle/>
+          <a:p>
+            <a:pPr algn="ctr"/>
+            <a:r>
+              <a:rPr lang="en-US" smtClean="0">
+                <a:solidFill>
+                  <a:schemeClr val="tx1"/>
+                </a:solidFill>
+              </a:rPr>
+              <a:t>ST7538</a:t>
+            </a:r>
+            <a:endParaRPr lang="en-US">
+              <a:solidFill>
+                <a:schemeClr val="tx1"/>
+              </a:solidFill>
+            </a:endParaRPr>
+          </a:p>
+        </p:txBody>
+      </p:sp>
+      <p:sp>
+        <p:nvSpPr>
+          <p:cNvPr id="14" name="Left-Right Arrow 13"/>
+          <p:cNvSpPr/>
+          <p:nvPr/>
+        </p:nvSpPr>
+        <p:spPr>
+          <a:xfrm>
+            <a:off x="4495800" y="3429000"/>
+            <a:ext cx="838200" cy="381000"/>
+          </a:xfrm>
+          <a:prstGeom prst="leftRightArrow">
+            <a:avLst/>
+          </a:prstGeom>
+        </p:spPr>
+        <p:style>
+          <a:lnRef idx="2">
+            <a:schemeClr val="accent1">
+              <a:shade val="50000"/>
+            </a:schemeClr>
+          </a:lnRef>
+          <a:fillRef idx="1">
+            <a:schemeClr val="accent1"/>
+          </a:fillRef>
+          <a:effectRef idx="0">
+            <a:schemeClr val="accent1"/>
+          </a:effectRef>
+          <a:fontRef idx="minor">
+            <a:schemeClr val="lt1"/>
+          </a:fontRef>
+        </p:style>
+        <p:txBody>
+          <a:bodyPr rtlCol="0" anchor="ctr"/>
+          <a:lstStyle/>
+          <a:p>
+            <a:pPr algn="ctr"/>
+            <a:endParaRPr lang="en-US"/>
+          </a:p>
+        </p:txBody>
+      </p:sp>
+      <p:sp>
+        <p:nvSpPr>
+          <p:cNvPr id="15" name="Left-Right-Up Arrow 14"/>
+          <p:cNvSpPr/>
+          <p:nvPr/>
+        </p:nvSpPr>
+        <p:spPr>
+          <a:xfrm>
+            <a:off x="4648200" y="2286000"/>
+            <a:ext cx="2667000" cy="685800"/>
+          </a:xfrm>
+          <a:prstGeom prst="leftRightUpArrow">
+            <a:avLst/>
+          </a:prstGeom>
+          <a:scene3d>
+            <a:camera prst="orthographicFront">
+              <a:rot lat="10800000" lon="0" rev="0"/>
+            </a:camera>
+            <a:lightRig rig="threePt" dir="t"/>
+          </a:scene3d>
+        </p:spPr>
+        <p:style>
+          <a:lnRef idx="2">
+            <a:schemeClr val="accent1">
+              <a:shade val="50000"/>
+            </a:schemeClr>
+          </a:lnRef>
+          <a:fillRef idx="1">
+            <a:schemeClr val="accent1"/>
+          </a:fillRef>
+          <a:effectRef idx="0">
+            <a:schemeClr val="accent1"/>
+          </a:effectRef>
+          <a:fontRef idx="minor">
+            <a:schemeClr val="lt1"/>
+          </a:fontRef>
+        </p:style>
+        <p:txBody>
+          <a:bodyPr rtlCol="0" anchor="ctr"/>
+          <a:lstStyle/>
+          <a:p>
+            <a:pPr algn="ctr"/>
+            <a:endParaRPr lang="en-US"/>
+          </a:p>
+        </p:txBody>
+      </p:sp>
+      <p:sp>
+        <p:nvSpPr>
+          <p:cNvPr id="16" name="Left-Right Arrow 15"/>
+          <p:cNvSpPr/>
+          <p:nvPr/>
+        </p:nvSpPr>
+        <p:spPr>
+          <a:xfrm>
+            <a:off x="6934200" y="3429000"/>
+            <a:ext cx="609600" cy="381000"/>
+          </a:xfrm>
+          <a:prstGeom prst="leftRightArrow">
+            <a:avLst/>
+          </a:prstGeom>
+        </p:spPr>
+        <p:style>
+          <a:lnRef idx="2">
+            <a:schemeClr val="accent1">
+              <a:shade val="50000"/>
+            </a:schemeClr>
+          </a:lnRef>
+          <a:fillRef idx="1">
+            <a:schemeClr val="accent1"/>
+          </a:fillRef>
+          <a:effectRef idx="0">
+            <a:schemeClr val="accent1"/>
+          </a:effectRef>
+          <a:fontRef idx="minor">
+            <a:schemeClr val="lt1"/>
+          </a:fontRef>
+        </p:style>
+        <p:txBody>
+          <a:bodyPr rtlCol="0" anchor="ctr"/>
+          <a:lstStyle/>
+          <a:p>
+            <a:pPr algn="ctr"/>
+            <a:endParaRPr lang="en-US"/>
+          </a:p>
+        </p:txBody>
+      </p:sp>
+      <p:sp>
+        <p:nvSpPr>
+          <p:cNvPr id="17" name="Bent Arrow 16"/>
+          <p:cNvSpPr/>
+          <p:nvPr/>
+        </p:nvSpPr>
+        <p:spPr>
+          <a:xfrm>
+            <a:off x="1447800" y="2514600"/>
+            <a:ext cx="1295400" cy="685800"/>
+          </a:xfrm>
+          <a:prstGeom prst="bentArrow">
+            <a:avLst/>
+          </a:prstGeom>
+          <a:ln>
+            <a:solidFill>
+              <a:schemeClr val="accent1"/>
+            </a:solidFill>
+          </a:ln>
+        </p:spPr>
+        <p:style>
+          <a:lnRef idx="2">
+            <a:schemeClr val="accent1">
+              <a:shade val="50000"/>
+            </a:schemeClr>
+          </a:lnRef>
+          <a:fillRef idx="1">
+            <a:schemeClr val="accent1"/>
+          </a:fillRef>
+          <a:effectRef idx="0">
+            <a:schemeClr val="accent1"/>
+          </a:effectRef>
+          <a:fontRef idx="minor">
+            <a:schemeClr val="lt1"/>
+          </a:fontRef>
+        </p:style>
+        <p:txBody>
+          <a:bodyPr rtlCol="0" anchor="ctr"/>
+          <a:lstStyle/>
+          <a:p>
+            <a:pPr algn="ctr"/>
+            <a:endParaRPr lang="en-US">
+              <a:solidFill>
+                <a:schemeClr val="tx1"/>
+              </a:solidFill>
+            </a:endParaRPr>
+          </a:p>
+        </p:txBody>
+      </p:sp>
+      <p:sp>
+        <p:nvSpPr>
+          <p:cNvPr id="18" name="Bent Arrow 17"/>
+          <p:cNvSpPr/>
+          <p:nvPr/>
+        </p:nvSpPr>
+        <p:spPr>
+          <a:xfrm>
+            <a:off x="1447800" y="2971800"/>
+            <a:ext cx="1295400" cy="685800"/>
+          </a:xfrm>
+          <a:prstGeom prst="bentArrow">
+            <a:avLst/>
+          </a:prstGeom>
+          <a:ln>
+            <a:solidFill>
+              <a:schemeClr val="accent1"/>
+            </a:solidFill>
+          </a:ln>
+          <a:scene3d>
+            <a:camera prst="orthographicFront">
+              <a:rot lat="10800000" lon="0" rev="0"/>
+            </a:camera>
+            <a:lightRig rig="threePt" dir="t"/>
+          </a:scene3d>
+        </p:spPr>
+        <p:style>
+          <a:lnRef idx="2">
+            <a:schemeClr val="accent1">
+              <a:shade val="50000"/>
+            </a:schemeClr>
+          </a:lnRef>
+          <a:fillRef idx="1">
+            <a:schemeClr val="accent1"/>
+          </a:fillRef>
+          <a:effectRef idx="0">
+            <a:schemeClr val="accent1"/>
+          </a:effectRef>
+          <a:fontRef idx="minor">
+            <a:schemeClr val="lt1"/>
+          </a:fontRef>
+        </p:style>
+        <p:txBody>
+          <a:bodyPr rtlCol="0" anchor="ctr"/>
+          <a:lstStyle/>
+          <a:p>
+            <a:pPr algn="ctr"/>
+            <a:endParaRPr lang="en-US">
+              <a:solidFill>
+                <a:schemeClr val="tx1"/>
+              </a:solidFill>
+            </a:endParaRPr>
+          </a:p>
+        </p:txBody>
+      </p:sp>
+      <p:sp>
+        <p:nvSpPr>
+          <p:cNvPr id="19" name="Rectangle 18"/>
+          <p:cNvSpPr/>
+          <p:nvPr/>
+        </p:nvSpPr>
+        <p:spPr>
+          <a:xfrm>
+            <a:off x="990600" y="2971800"/>
+            <a:ext cx="609600" cy="228600"/>
+          </a:xfrm>
+          <a:prstGeom prst="rect">
+            <a:avLst/>
+          </a:prstGeom>
+          <a:ln>
+            <a:solidFill>
+              <a:schemeClr val="accent1"/>
+            </a:solidFill>
+          </a:ln>
+        </p:spPr>
+        <p:style>
+          <a:lnRef idx="2">
+            <a:schemeClr val="accent1">
+              <a:shade val="50000"/>
+            </a:schemeClr>
+          </a:lnRef>
+          <a:fillRef idx="1">
+            <a:schemeClr val="accent1"/>
+          </a:fillRef>
+          <a:effectRef idx="0">
+            <a:schemeClr val="accent1"/>
+          </a:effectRef>
+          <a:fontRef idx="minor">
+            <a:schemeClr val="lt1"/>
+          </a:fontRef>
+        </p:style>
+        <p:txBody>
+          <a:bodyPr rtlCol="0" anchor="ctr"/>
+          <a:lstStyle/>
+          <a:p>
+            <a:pPr algn="ctr"/>
+            <a:endParaRPr lang="en-US"/>
+          </a:p>
+        </p:txBody>
+      </p:sp>
+      <p:sp>
+        <p:nvSpPr>
+          <p:cNvPr id="20" name="TextBox 19"/>
+          <p:cNvSpPr txBox="1"/>
+          <p:nvPr/>
+        </p:nvSpPr>
+        <p:spPr>
+          <a:xfrm>
+            <a:off x="381000" y="2438400"/>
+            <a:ext cx="1066800" cy="369332"/>
+          </a:xfrm>
+          <a:prstGeom prst="rect">
+            <a:avLst/>
+          </a:prstGeom>
+          <a:noFill/>
+        </p:spPr>
+        <p:txBody>
+          <a:bodyPr wrap="square" rtlCol="0">
+            <a:spAutoFit/>
+          </a:bodyPr>
+          <a:lstStyle/>
+          <a:p>
+            <a:r>
+              <a:rPr lang="en-US" smtClean="0"/>
+              <a:t>Tải điện</a:t>
+            </a:r>
+            <a:endParaRPr lang="en-US"/>
+          </a:p>
+        </p:txBody>
+      </p:sp>
+      <p:sp>
+        <p:nvSpPr>
+          <p:cNvPr id="21" name="TextBox 20"/>
+          <p:cNvSpPr txBox="1"/>
+          <p:nvPr/>
+        </p:nvSpPr>
+        <p:spPr>
+          <a:xfrm>
+            <a:off x="7924800" y="2590800"/>
+            <a:ext cx="1219200" cy="646331"/>
+          </a:xfrm>
+          <a:prstGeom prst="rect">
+            <a:avLst/>
+          </a:prstGeom>
+          <a:noFill/>
+        </p:spPr>
+        <p:txBody>
+          <a:bodyPr wrap="square" rtlCol="0">
+            <a:spAutoFit/>
+          </a:bodyPr>
+          <a:lstStyle/>
+          <a:p>
+            <a:r>
+              <a:rPr lang="en-US" smtClean="0"/>
+              <a:t>Mạch điều khiển</a:t>
+            </a:r>
             <a:endParaRPr lang="en-US"/>
           </a:p>
         </p:txBody>

--- a/trunk/diagram.pptx
+++ b/trunk/diagram.pptx
@@ -9,6 +9,7 @@
     <p:sldId id="257" r:id="rId3"/>
     <p:sldId id="258" r:id="rId4"/>
     <p:sldId id="259" r:id="rId5"/>
+    <p:sldId id="260" r:id="rId6"/>
   </p:sldIdLst>
   <p:sldSz cx="9144000" cy="6858000" type="screen4x3"/>
   <p:notesSz cx="6858000" cy="9144000"/>
@@ -292,7 +293,7 @@
             <a:fld id="{58B7D8E9-0FBC-476E-9059-A92F3A03B53F}" type="datetimeFigureOut">
               <a:rPr lang="en-US" smtClean="0"/>
               <a:pPr/>
-              <a:t>5/11/2010</a:t>
+              <a:t>5/12/2010</a:t>
             </a:fld>
             <a:endParaRPr lang="en-US"/>
           </a:p>
@@ -459,7 +460,7 @@
             <a:fld id="{58B7D8E9-0FBC-476E-9059-A92F3A03B53F}" type="datetimeFigureOut">
               <a:rPr lang="en-US" smtClean="0"/>
               <a:pPr/>
-              <a:t>5/11/2010</a:t>
+              <a:t>5/12/2010</a:t>
             </a:fld>
             <a:endParaRPr lang="en-US"/>
           </a:p>
@@ -636,7 +637,7 @@
             <a:fld id="{58B7D8E9-0FBC-476E-9059-A92F3A03B53F}" type="datetimeFigureOut">
               <a:rPr lang="en-US" smtClean="0"/>
               <a:pPr/>
-              <a:t>5/11/2010</a:t>
+              <a:t>5/12/2010</a:t>
             </a:fld>
             <a:endParaRPr lang="en-US"/>
           </a:p>
@@ -803,7 +804,7 @@
             <a:fld id="{58B7D8E9-0FBC-476E-9059-A92F3A03B53F}" type="datetimeFigureOut">
               <a:rPr lang="en-US" smtClean="0"/>
               <a:pPr/>
-              <a:t>5/11/2010</a:t>
+              <a:t>5/12/2010</a:t>
             </a:fld>
             <a:endParaRPr lang="en-US"/>
           </a:p>
@@ -1046,7 +1047,7 @@
             <a:fld id="{58B7D8E9-0FBC-476E-9059-A92F3A03B53F}" type="datetimeFigureOut">
               <a:rPr lang="en-US" smtClean="0"/>
               <a:pPr/>
-              <a:t>5/11/2010</a:t>
+              <a:t>5/12/2010</a:t>
             </a:fld>
             <a:endParaRPr lang="en-US"/>
           </a:p>
@@ -1331,7 +1332,7 @@
             <a:fld id="{58B7D8E9-0FBC-476E-9059-A92F3A03B53F}" type="datetimeFigureOut">
               <a:rPr lang="en-US" smtClean="0"/>
               <a:pPr/>
-              <a:t>5/11/2010</a:t>
+              <a:t>5/12/2010</a:t>
             </a:fld>
             <a:endParaRPr lang="en-US"/>
           </a:p>
@@ -1750,7 +1751,7 @@
             <a:fld id="{58B7D8E9-0FBC-476E-9059-A92F3A03B53F}" type="datetimeFigureOut">
               <a:rPr lang="en-US" smtClean="0"/>
               <a:pPr/>
-              <a:t>5/11/2010</a:t>
+              <a:t>5/12/2010</a:t>
             </a:fld>
             <a:endParaRPr lang="en-US"/>
           </a:p>
@@ -1865,7 +1866,7 @@
             <a:fld id="{58B7D8E9-0FBC-476E-9059-A92F3A03B53F}" type="datetimeFigureOut">
               <a:rPr lang="en-US" smtClean="0"/>
               <a:pPr/>
-              <a:t>5/11/2010</a:t>
+              <a:t>5/12/2010</a:t>
             </a:fld>
             <a:endParaRPr lang="en-US"/>
           </a:p>
@@ -1957,7 +1958,7 @@
             <a:fld id="{58B7D8E9-0FBC-476E-9059-A92F3A03B53F}" type="datetimeFigureOut">
               <a:rPr lang="en-US" smtClean="0"/>
               <a:pPr/>
-              <a:t>5/11/2010</a:t>
+              <a:t>5/12/2010</a:t>
             </a:fld>
             <a:endParaRPr lang="en-US"/>
           </a:p>
@@ -2231,7 +2232,7 @@
             <a:fld id="{58B7D8E9-0FBC-476E-9059-A92F3A03B53F}" type="datetimeFigureOut">
               <a:rPr lang="en-US" smtClean="0"/>
               <a:pPr/>
-              <a:t>5/11/2010</a:t>
+              <a:t>5/12/2010</a:t>
             </a:fld>
             <a:endParaRPr lang="en-US"/>
           </a:p>
@@ -2481,7 +2482,7 @@
             <a:fld id="{58B7D8E9-0FBC-476E-9059-A92F3A03B53F}" type="datetimeFigureOut">
               <a:rPr lang="en-US" smtClean="0"/>
               <a:pPr/>
-              <a:t>5/11/2010</a:t>
+              <a:t>5/12/2010</a:t>
             </a:fld>
             <a:endParaRPr lang="en-US"/>
           </a:p>
@@ -2691,7 +2692,7 @@
             <a:fld id="{58B7D8E9-0FBC-476E-9059-A92F3A03B53F}" type="datetimeFigureOut">
               <a:rPr lang="en-US" smtClean="0"/>
               <a:pPr/>
-              <a:t>5/11/2010</a:t>
+              <a:t>5/12/2010</a:t>
             </a:fld>
             <a:endParaRPr lang="en-US"/>
           </a:p>
@@ -5750,6 +5751,163 @@
             <a:r>
               <a:rPr lang="en-US" smtClean="0"/>
               <a:t>Mạch điều khiển</a:t>
+            </a:r>
+            <a:endParaRPr lang="en-US"/>
+          </a:p>
+        </p:txBody>
+      </p:sp>
+    </p:spTree>
+  </p:cSld>
+  <p:clrMapOvr>
+    <a:masterClrMapping/>
+  </p:clrMapOvr>
+</p:sld>
+</file>
+
+<file path=ppt/slides/slide5.xml><?xml version="1.0" encoding="utf-8"?>
+<p:sld xmlns:a="http://schemas.openxmlformats.org/drawingml/2006/main" xmlns:r="http://schemas.openxmlformats.org/officeDocument/2006/relationships" xmlns:p="http://schemas.openxmlformats.org/presentationml/2006/main">
+  <p:cSld>
+    <p:spTree>
+      <p:nvGrpSpPr>
+        <p:cNvPr id="1" name=""/>
+        <p:cNvGrpSpPr/>
+        <p:nvPr/>
+      </p:nvGrpSpPr>
+      <p:grpSpPr>
+        <a:xfrm>
+          <a:off x="0" y="0"/>
+          <a:ext cx="0" cy="0"/>
+          <a:chOff x="0" y="0"/>
+          <a:chExt cx="0" cy="0"/>
+        </a:xfrm>
+      </p:grpSpPr>
+      <p:sp>
+        <p:nvSpPr>
+          <p:cNvPr id="4" name="Rectangle 3"/>
+          <p:cNvSpPr/>
+          <p:nvPr/>
+        </p:nvSpPr>
+        <p:spPr>
+          <a:xfrm>
+            <a:off x="1981200" y="3962400"/>
+            <a:ext cx="2286000" cy="457200"/>
+          </a:xfrm>
+          <a:prstGeom prst="rect">
+            <a:avLst/>
+          </a:prstGeom>
+        </p:spPr>
+        <p:style>
+          <a:lnRef idx="2">
+            <a:schemeClr val="accent1">
+              <a:shade val="50000"/>
+            </a:schemeClr>
+          </a:lnRef>
+          <a:fillRef idx="1">
+            <a:schemeClr val="accent1"/>
+          </a:fillRef>
+          <a:effectRef idx="0">
+            <a:schemeClr val="accent1"/>
+          </a:effectRef>
+          <a:fontRef idx="minor">
+            <a:schemeClr val="lt1"/>
+          </a:fontRef>
+        </p:style>
+        <p:txBody>
+          <a:bodyPr rtlCol="0" anchor="ctr"/>
+          <a:lstStyle/>
+          <a:p>
+            <a:pPr algn="ctr"/>
+            <a:r>
+              <a:rPr lang="en-US" smtClean="0"/>
+              <a:t>Lớp vật lý</a:t>
+            </a:r>
+            <a:endParaRPr lang="en-US"/>
+          </a:p>
+        </p:txBody>
+      </p:sp>
+      <p:sp>
+        <p:nvSpPr>
+          <p:cNvPr id="6" name="Rectangle 5"/>
+          <p:cNvSpPr/>
+          <p:nvPr/>
+        </p:nvSpPr>
+        <p:spPr>
+          <a:xfrm>
+            <a:off x="1981200" y="3505200"/>
+            <a:ext cx="2286000" cy="457200"/>
+          </a:xfrm>
+          <a:prstGeom prst="rect">
+            <a:avLst/>
+          </a:prstGeom>
+        </p:spPr>
+        <p:style>
+          <a:lnRef idx="2">
+            <a:schemeClr val="accent1">
+              <a:shade val="50000"/>
+            </a:schemeClr>
+          </a:lnRef>
+          <a:fillRef idx="1">
+            <a:schemeClr val="accent1"/>
+          </a:fillRef>
+          <a:effectRef idx="0">
+            <a:schemeClr val="accent1"/>
+          </a:effectRef>
+          <a:fontRef idx="minor">
+            <a:schemeClr val="lt1"/>
+          </a:fontRef>
+        </p:style>
+        <p:txBody>
+          <a:bodyPr rtlCol="0" anchor="ctr"/>
+          <a:lstStyle/>
+          <a:p>
+            <a:pPr algn="ctr"/>
+            <a:r>
+              <a:rPr lang="en-US" smtClean="0"/>
+              <a:t>Lớp  liên kết dữ liệu</a:t>
+            </a:r>
+            <a:endParaRPr lang="en-US"/>
+          </a:p>
+        </p:txBody>
+      </p:sp>
+      <p:sp>
+        <p:nvSpPr>
+          <p:cNvPr id="7" name="Rectangle 6"/>
+          <p:cNvSpPr/>
+          <p:nvPr/>
+        </p:nvSpPr>
+        <p:spPr>
+          <a:xfrm>
+            <a:off x="1981200" y="3048000"/>
+            <a:ext cx="2286000" cy="457200"/>
+          </a:xfrm>
+          <a:prstGeom prst="rect">
+            <a:avLst/>
+          </a:prstGeom>
+        </p:spPr>
+        <p:style>
+          <a:lnRef idx="2">
+            <a:schemeClr val="accent1">
+              <a:shade val="50000"/>
+            </a:schemeClr>
+          </a:lnRef>
+          <a:fillRef idx="1">
+            <a:schemeClr val="accent1"/>
+          </a:fillRef>
+          <a:effectRef idx="0">
+            <a:schemeClr val="accent1"/>
+          </a:effectRef>
+          <a:fontRef idx="minor">
+            <a:schemeClr val="lt1"/>
+          </a:fontRef>
+        </p:style>
+        <p:txBody>
+          <a:bodyPr rtlCol="0" anchor="ctr"/>
+          <a:lstStyle/>
+          <a:p>
+            <a:pPr algn="ctr"/>
+            <a:r>
+              <a:rPr lang="en-US" smtClean="0"/>
+              <a:t>Lớp ứng dụng</a:t>
             </a:r>
             <a:endParaRPr lang="en-US"/>
           </a:p>
